--- a/Capstone 1 - Kickstarter/Kickstarter - Starting the Snowball.pptx
+++ b/Capstone 1 - Kickstarter/Kickstarter - Starting the Snowball.pptx
@@ -120,6 +120,11 @@
       </a:defRPr>
     </a:lvl9pPr>
   </p:defaultTextStyle>
+  <p:extLst>
+    <p:ext uri="{EFAFB233-063F-42B5-8137-9DF3F51BA10A}">
+      <p15:sldGuideLst xmlns:p15="http://schemas.microsoft.com/office/powerpoint/2012/main"/>
+    </p:ext>
+  </p:extLst>
 </p:presentation>
 </file>
 
@@ -205,7 +210,7 @@
           <a:p>
             <a:fld id="{47AF6D08-7BC3-4237-82E1-4288EBEF6B7F}" type="datetimeFigureOut">
               <a:rPr lang="en-US" smtClean="0"/>
-              <a:t>4/5/2020</a:t>
+              <a:t>5/23/2020</a:t>
             </a:fld>
             <a:endParaRPr lang="en-US"/>
           </a:p>
@@ -1378,7 +1383,7 @@
           <a:p>
             <a:fld id="{0980009D-B9D8-4BD5-BEF8-69F18610C212}" type="datetimeFigureOut">
               <a:rPr lang="en-US" smtClean="0"/>
-              <a:t>4/5/2020</a:t>
+              <a:t>5/23/2020</a:t>
             </a:fld>
             <a:endParaRPr lang="en-US"/>
           </a:p>
@@ -1576,7 +1581,7 @@
           <a:p>
             <a:fld id="{0980009D-B9D8-4BD5-BEF8-69F18610C212}" type="datetimeFigureOut">
               <a:rPr lang="en-US" smtClean="0"/>
-              <a:t>4/5/2020</a:t>
+              <a:t>5/23/2020</a:t>
             </a:fld>
             <a:endParaRPr lang="en-US"/>
           </a:p>
@@ -1784,7 +1789,7 @@
           <a:p>
             <a:fld id="{0980009D-B9D8-4BD5-BEF8-69F18610C212}" type="datetimeFigureOut">
               <a:rPr lang="en-US" smtClean="0"/>
-              <a:t>4/5/2020</a:t>
+              <a:t>5/23/2020</a:t>
             </a:fld>
             <a:endParaRPr lang="en-US"/>
           </a:p>
@@ -1982,7 +1987,7 @@
           <a:p>
             <a:fld id="{0980009D-B9D8-4BD5-BEF8-69F18610C212}" type="datetimeFigureOut">
               <a:rPr lang="en-US" smtClean="0"/>
-              <a:t>4/5/2020</a:t>
+              <a:t>5/23/2020</a:t>
             </a:fld>
             <a:endParaRPr lang="en-US"/>
           </a:p>
@@ -2257,7 +2262,7 @@
           <a:p>
             <a:fld id="{0980009D-B9D8-4BD5-BEF8-69F18610C212}" type="datetimeFigureOut">
               <a:rPr lang="en-US" smtClean="0"/>
-              <a:t>4/5/2020</a:t>
+              <a:t>5/23/2020</a:t>
             </a:fld>
             <a:endParaRPr lang="en-US"/>
           </a:p>
@@ -2522,7 +2527,7 @@
           <a:p>
             <a:fld id="{0980009D-B9D8-4BD5-BEF8-69F18610C212}" type="datetimeFigureOut">
               <a:rPr lang="en-US" smtClean="0"/>
-              <a:t>4/5/2020</a:t>
+              <a:t>5/23/2020</a:t>
             </a:fld>
             <a:endParaRPr lang="en-US"/>
           </a:p>
@@ -2934,7 +2939,7 @@
           <a:p>
             <a:fld id="{0980009D-B9D8-4BD5-BEF8-69F18610C212}" type="datetimeFigureOut">
               <a:rPr lang="en-US" smtClean="0"/>
-              <a:t>4/5/2020</a:t>
+              <a:t>5/23/2020</a:t>
             </a:fld>
             <a:endParaRPr lang="en-US"/>
           </a:p>
@@ -3075,7 +3080,7 @@
           <a:p>
             <a:fld id="{0980009D-B9D8-4BD5-BEF8-69F18610C212}" type="datetimeFigureOut">
               <a:rPr lang="en-US" smtClean="0"/>
-              <a:t>4/5/2020</a:t>
+              <a:t>5/23/2020</a:t>
             </a:fld>
             <a:endParaRPr lang="en-US"/>
           </a:p>
@@ -3188,7 +3193,7 @@
           <a:p>
             <a:fld id="{0980009D-B9D8-4BD5-BEF8-69F18610C212}" type="datetimeFigureOut">
               <a:rPr lang="en-US" smtClean="0"/>
-              <a:t>4/5/2020</a:t>
+              <a:t>5/23/2020</a:t>
             </a:fld>
             <a:endParaRPr lang="en-US"/>
           </a:p>
@@ -3499,7 +3504,7 @@
           <a:p>
             <a:fld id="{0980009D-B9D8-4BD5-BEF8-69F18610C212}" type="datetimeFigureOut">
               <a:rPr lang="en-US" smtClean="0"/>
-              <a:t>4/5/2020</a:t>
+              <a:t>5/23/2020</a:t>
             </a:fld>
             <a:endParaRPr lang="en-US"/>
           </a:p>
@@ -3787,7 +3792,7 @@
           <a:p>
             <a:fld id="{0980009D-B9D8-4BD5-BEF8-69F18610C212}" type="datetimeFigureOut">
               <a:rPr lang="en-US" smtClean="0"/>
-              <a:t>4/5/2020</a:t>
+              <a:t>5/23/2020</a:t>
             </a:fld>
             <a:endParaRPr lang="en-US"/>
           </a:p>
@@ -4028,7 +4033,7 @@
           <a:p>
             <a:fld id="{0980009D-B9D8-4BD5-BEF8-69F18610C212}" type="datetimeFigureOut">
               <a:rPr lang="en-US" smtClean="0"/>
-              <a:t>4/5/2020</a:t>
+              <a:t>5/23/2020</a:t>
             </a:fld>
             <a:endParaRPr lang="en-US"/>
           </a:p>
@@ -6710,12 +6715,20 @@
               </a:rPr>
             </a:br>
             <a:r>
+              <a:rPr lang="en-US" sz="4000">
+                <a:solidFill>
+                  <a:srgbClr val="FFFFFE"/>
+                </a:solidFill>
+              </a:rPr>
+              <a:t>Maximizing Project </a:t>
+            </a:r>
+            <a:r>
               <a:rPr lang="en-US" sz="4000" dirty="0">
                 <a:solidFill>
                   <a:srgbClr val="FFFFFE"/>
                 </a:solidFill>
               </a:rPr>
-              <a:t>Maximizing Kickstarter Success</a:t>
+              <a:t>Success</a:t>
             </a:r>
           </a:p>
         </p:txBody>
@@ -7276,7 +7289,7 @@
           <a:graphicData uri="http://schemas.openxmlformats.org/presentationml/2006/ole">
             <mc:AlternateContent xmlns:mc="http://schemas.openxmlformats.org/markup-compatibility/2006">
               <mc:Choice xmlns:v="urn:schemas-microsoft-com:vml" Requires="v">
-                <p:oleObj spid="_x0000_s2052" name="Bitmap Image" r:id="rId3" imgW="5859720" imgH="2034720" progId="Paint.Picture">
+                <p:oleObj spid="_x0000_s2053" name="Bitmap Image" r:id="rId3" imgW="5859720" imgH="2034720" progId="Paint.Picture">
                   <p:embed/>
                 </p:oleObj>
               </mc:Choice>

--- a/Capstone 1 - Kickstarter/Kickstarter - Starting the Snowball.pptx
+++ b/Capstone 1 - Kickstarter/Kickstarter - Starting the Snowball.pptx
@@ -210,7 +210,7 @@
           <a:p>
             <a:fld id="{47AF6D08-7BC3-4237-82E1-4288EBEF6B7F}" type="datetimeFigureOut">
               <a:rPr lang="en-US" smtClean="0"/>
-              <a:t>5/23/2020</a:t>
+              <a:t>7/24/2020</a:t>
             </a:fld>
             <a:endParaRPr lang="en-US"/>
           </a:p>
@@ -1383,7 +1383,7 @@
           <a:p>
             <a:fld id="{0980009D-B9D8-4BD5-BEF8-69F18610C212}" type="datetimeFigureOut">
               <a:rPr lang="en-US" smtClean="0"/>
-              <a:t>5/23/2020</a:t>
+              <a:t>7/24/2020</a:t>
             </a:fld>
             <a:endParaRPr lang="en-US"/>
           </a:p>
@@ -1581,7 +1581,7 @@
           <a:p>
             <a:fld id="{0980009D-B9D8-4BD5-BEF8-69F18610C212}" type="datetimeFigureOut">
               <a:rPr lang="en-US" smtClean="0"/>
-              <a:t>5/23/2020</a:t>
+              <a:t>7/24/2020</a:t>
             </a:fld>
             <a:endParaRPr lang="en-US"/>
           </a:p>
@@ -1789,7 +1789,7 @@
           <a:p>
             <a:fld id="{0980009D-B9D8-4BD5-BEF8-69F18610C212}" type="datetimeFigureOut">
               <a:rPr lang="en-US" smtClean="0"/>
-              <a:t>5/23/2020</a:t>
+              <a:t>7/24/2020</a:t>
             </a:fld>
             <a:endParaRPr lang="en-US"/>
           </a:p>
@@ -1987,7 +1987,7 @@
           <a:p>
             <a:fld id="{0980009D-B9D8-4BD5-BEF8-69F18610C212}" type="datetimeFigureOut">
               <a:rPr lang="en-US" smtClean="0"/>
-              <a:t>5/23/2020</a:t>
+              <a:t>7/24/2020</a:t>
             </a:fld>
             <a:endParaRPr lang="en-US"/>
           </a:p>
@@ -2262,7 +2262,7 @@
           <a:p>
             <a:fld id="{0980009D-B9D8-4BD5-BEF8-69F18610C212}" type="datetimeFigureOut">
               <a:rPr lang="en-US" smtClean="0"/>
-              <a:t>5/23/2020</a:t>
+              <a:t>7/24/2020</a:t>
             </a:fld>
             <a:endParaRPr lang="en-US"/>
           </a:p>
@@ -2527,7 +2527,7 @@
           <a:p>
             <a:fld id="{0980009D-B9D8-4BD5-BEF8-69F18610C212}" type="datetimeFigureOut">
               <a:rPr lang="en-US" smtClean="0"/>
-              <a:t>5/23/2020</a:t>
+              <a:t>7/24/2020</a:t>
             </a:fld>
             <a:endParaRPr lang="en-US"/>
           </a:p>
@@ -2939,7 +2939,7 @@
           <a:p>
             <a:fld id="{0980009D-B9D8-4BD5-BEF8-69F18610C212}" type="datetimeFigureOut">
               <a:rPr lang="en-US" smtClean="0"/>
-              <a:t>5/23/2020</a:t>
+              <a:t>7/24/2020</a:t>
             </a:fld>
             <a:endParaRPr lang="en-US"/>
           </a:p>
@@ -3080,7 +3080,7 @@
           <a:p>
             <a:fld id="{0980009D-B9D8-4BD5-BEF8-69F18610C212}" type="datetimeFigureOut">
               <a:rPr lang="en-US" smtClean="0"/>
-              <a:t>5/23/2020</a:t>
+              <a:t>7/24/2020</a:t>
             </a:fld>
             <a:endParaRPr lang="en-US"/>
           </a:p>
@@ -3193,7 +3193,7 @@
           <a:p>
             <a:fld id="{0980009D-B9D8-4BD5-BEF8-69F18610C212}" type="datetimeFigureOut">
               <a:rPr lang="en-US" smtClean="0"/>
-              <a:t>5/23/2020</a:t>
+              <a:t>7/24/2020</a:t>
             </a:fld>
             <a:endParaRPr lang="en-US"/>
           </a:p>
@@ -3504,7 +3504,7 @@
           <a:p>
             <a:fld id="{0980009D-B9D8-4BD5-BEF8-69F18610C212}" type="datetimeFigureOut">
               <a:rPr lang="en-US" smtClean="0"/>
-              <a:t>5/23/2020</a:t>
+              <a:t>7/24/2020</a:t>
             </a:fld>
             <a:endParaRPr lang="en-US"/>
           </a:p>
@@ -3792,7 +3792,7 @@
           <a:p>
             <a:fld id="{0980009D-B9D8-4BD5-BEF8-69F18610C212}" type="datetimeFigureOut">
               <a:rPr lang="en-US" smtClean="0"/>
-              <a:t>5/23/2020</a:t>
+              <a:t>7/24/2020</a:t>
             </a:fld>
             <a:endParaRPr lang="en-US"/>
           </a:p>
@@ -4033,7 +4033,7 @@
           <a:p>
             <a:fld id="{0980009D-B9D8-4BD5-BEF8-69F18610C212}" type="datetimeFigureOut">
               <a:rPr lang="en-US" smtClean="0"/>
-              <a:t>5/23/2020</a:t>
+              <a:t>7/24/2020</a:t>
             </a:fld>
             <a:endParaRPr lang="en-US"/>
           </a:p>
@@ -6762,9 +6762,12 @@
           <a:lstStyle/>
           <a:p>
             <a:r>
-              <a:rPr lang="en-US" sz="1600" dirty="0"/>
+              <a:rPr lang="en-US" sz="1600" dirty="0">
+                <a:hlinkClick r:id="rId2"/>
+              </a:rPr>
               <a:t>Springboard Capstone Project #1</a:t>
             </a:r>
+            <a:endParaRPr lang="en-US" sz="1600" dirty="0"/>
           </a:p>
           <a:p>
             <a:r>
@@ -6854,7 +6857,7 @@
           <p:nvPr/>
         </p:nvPicPr>
         <p:blipFill>
-          <a:blip r:embed="rId2">
+          <a:blip r:embed="rId3">
             <a:extLst>
               <a:ext uri="{28A0092B-C50C-407E-A947-70E740481C1C}">
                 <a14:useLocalDpi xmlns:a14="http://schemas.microsoft.com/office/drawing/2010/main" val="0"/>
@@ -7289,7 +7292,7 @@
           <a:graphicData uri="http://schemas.openxmlformats.org/presentationml/2006/ole">
             <mc:AlternateContent xmlns:mc="http://schemas.openxmlformats.org/markup-compatibility/2006">
               <mc:Choice xmlns:v="urn:schemas-microsoft-com:vml" Requires="v">
-                <p:oleObj spid="_x0000_s2053" name="Bitmap Image" r:id="rId3" imgW="5859720" imgH="2034720" progId="Paint.Picture">
+                <p:oleObj spid="_x0000_s2054" name="Bitmap Image" r:id="rId3" imgW="5859720" imgH="2034720" progId="Paint.Picture">
                   <p:embed/>
                 </p:oleObj>
               </mc:Choice>
